--- a/AB_TOPs/ZZ_Soutenance_PE/S2_SEISM/Diapo/Diaporama_PE_PE66_Juin2019_V2.4.pptx
+++ b/AB_TOPs/ZZ_Soutenance_PE/S2_SEISM/Diapo/Diaporama_PE_PE66_Juin2019_V2.4.pptx
@@ -7607,7 +7607,7 @@
           <a:p>
             <a:fld id="{A9258FD7-AA4D-4EFB-8956-C98F2360B098}" type="datetimeFigureOut">
               <a:rPr lang="fr-FR" smtClean="0"/>
-              <a:t>09/06/2019</a:t>
+              <a:t>12/06/2019</a:t>
             </a:fld>
             <a:endParaRPr lang="fr-FR"/>
           </a:p>
@@ -8021,7 +8021,7 @@
           <a:p>
             <a:fld id="{854B7264-E21A-4329-A994-84F7B09D33B2}" type="datetimeFigureOut">
               <a:rPr lang="fr-FR" smtClean="0"/>
-              <a:t>09/06/2019</a:t>
+              <a:t>12/06/2019</a:t>
             </a:fld>
             <a:endParaRPr lang="fr-FR"/>
           </a:p>
@@ -8219,7 +8219,7 @@
           <a:p>
             <a:fld id="{854B7264-E21A-4329-A994-84F7B09D33B2}" type="datetimeFigureOut">
               <a:rPr lang="fr-FR" smtClean="0"/>
-              <a:t>09/06/2019</a:t>
+              <a:t>12/06/2019</a:t>
             </a:fld>
             <a:endParaRPr lang="fr-FR"/>
           </a:p>
@@ -8427,7 +8427,7 @@
           <a:p>
             <a:fld id="{854B7264-E21A-4329-A994-84F7B09D33B2}" type="datetimeFigureOut">
               <a:rPr lang="fr-FR" smtClean="0"/>
-              <a:t>09/06/2019</a:t>
+              <a:t>12/06/2019</a:t>
             </a:fld>
             <a:endParaRPr lang="fr-FR"/>
           </a:p>
@@ -8625,7 +8625,7 @@
           <a:p>
             <a:fld id="{854B7264-E21A-4329-A994-84F7B09D33B2}" type="datetimeFigureOut">
               <a:rPr lang="fr-FR" smtClean="0"/>
-              <a:t>09/06/2019</a:t>
+              <a:t>12/06/2019</a:t>
             </a:fld>
             <a:endParaRPr lang="fr-FR"/>
           </a:p>
@@ -8900,7 +8900,7 @@
           <a:p>
             <a:fld id="{854B7264-E21A-4329-A994-84F7B09D33B2}" type="datetimeFigureOut">
               <a:rPr lang="fr-FR" smtClean="0"/>
-              <a:t>09/06/2019</a:t>
+              <a:t>12/06/2019</a:t>
             </a:fld>
             <a:endParaRPr lang="fr-FR"/>
           </a:p>
@@ -9165,7 +9165,7 @@
           <a:p>
             <a:fld id="{854B7264-E21A-4329-A994-84F7B09D33B2}" type="datetimeFigureOut">
               <a:rPr lang="fr-FR" smtClean="0"/>
-              <a:t>09/06/2019</a:t>
+              <a:t>12/06/2019</a:t>
             </a:fld>
             <a:endParaRPr lang="fr-FR"/>
           </a:p>
@@ -9577,7 +9577,7 @@
           <a:p>
             <a:fld id="{854B7264-E21A-4329-A994-84F7B09D33B2}" type="datetimeFigureOut">
               <a:rPr lang="fr-FR" smtClean="0"/>
-              <a:t>09/06/2019</a:t>
+              <a:t>12/06/2019</a:t>
             </a:fld>
             <a:endParaRPr lang="fr-FR"/>
           </a:p>
@@ -9718,7 +9718,7 @@
           <a:p>
             <a:fld id="{854B7264-E21A-4329-A994-84F7B09D33B2}" type="datetimeFigureOut">
               <a:rPr lang="fr-FR" smtClean="0"/>
-              <a:t>09/06/2019</a:t>
+              <a:t>12/06/2019</a:t>
             </a:fld>
             <a:endParaRPr lang="fr-FR"/>
           </a:p>
@@ -9831,7 +9831,7 @@
           <a:p>
             <a:fld id="{854B7264-E21A-4329-A994-84F7B09D33B2}" type="datetimeFigureOut">
               <a:rPr lang="fr-FR" smtClean="0"/>
-              <a:t>09/06/2019</a:t>
+              <a:t>12/06/2019</a:t>
             </a:fld>
             <a:endParaRPr lang="fr-FR"/>
           </a:p>
@@ -10142,7 +10142,7 @@
           <a:p>
             <a:fld id="{854B7264-E21A-4329-A994-84F7B09D33B2}" type="datetimeFigureOut">
               <a:rPr lang="fr-FR" smtClean="0"/>
-              <a:t>09/06/2019</a:t>
+              <a:t>12/06/2019</a:t>
             </a:fld>
             <a:endParaRPr lang="fr-FR"/>
           </a:p>
@@ -10430,7 +10430,7 @@
           <a:p>
             <a:fld id="{854B7264-E21A-4329-A994-84F7B09D33B2}" type="datetimeFigureOut">
               <a:rPr lang="fr-FR" smtClean="0"/>
-              <a:t>09/06/2019</a:t>
+              <a:t>12/06/2019</a:t>
             </a:fld>
             <a:endParaRPr lang="fr-FR"/>
           </a:p>
@@ -10671,7 +10671,7 @@
           <a:p>
             <a:fld id="{854B7264-E21A-4329-A994-84F7B09D33B2}" type="datetimeFigureOut">
               <a:rPr lang="fr-FR" smtClean="0"/>
-              <a:t>09/06/2019</a:t>
+              <a:t>12/06/2019</a:t>
             </a:fld>
             <a:endParaRPr lang="fr-FR"/>
           </a:p>
@@ -11852,13 +11852,13 @@
           <p:nvPr>
             <p:extLst>
               <p:ext uri="{D42A27DB-BD31-4B8C-83A1-F6EECF244321}">
-                <p14:modId xmlns:p14="http://schemas.microsoft.com/office/powerpoint/2010/main" val="399165590"/>
+                <p14:modId xmlns:p14="http://schemas.microsoft.com/office/powerpoint/2010/main" val="105011887"/>
               </p:ext>
             </p:extLst>
           </p:nvPr>
         </p:nvGraphicFramePr>
         <p:xfrm>
-          <a:off x="-48453" y="2834557"/>
+          <a:off x="0" y="2748418"/>
           <a:ext cx="12191998" cy="2757386"/>
         </p:xfrm>
         <a:graphic>
